--- a/2. tipos de aprendizaje automático.pptx
+++ b/2. tipos de aprendizaje automático.pptx
@@ -5,7 +5,7 @@
     <p:sldMasterId id="2147483660" r:id="rId1"/>
   </p:sldMasterIdLst>
   <p:notesMasterIdLst>
-    <p:notesMasterId r:id="rId11"/>
+    <p:notesMasterId r:id="rId12"/>
   </p:notesMasterIdLst>
   <p:sldIdLst>
     <p:sldId id="259" r:id="rId2"/>
@@ -14,9 +14,10 @@
     <p:sldId id="336" r:id="rId5"/>
     <p:sldId id="338" r:id="rId6"/>
     <p:sldId id="339" r:id="rId7"/>
-    <p:sldId id="340" r:id="rId8"/>
-    <p:sldId id="341" r:id="rId9"/>
-    <p:sldId id="285" r:id="rId10"/>
+    <p:sldId id="343" r:id="rId8"/>
+    <p:sldId id="340" r:id="rId9"/>
+    <p:sldId id="341" r:id="rId10"/>
+    <p:sldId id="285" r:id="rId11"/>
   </p:sldIdLst>
   <p:sldSz cx="12192000" cy="6858000"/>
   <p:notesSz cx="6858000" cy="9144000"/>
@@ -3861,7 +3862,7 @@
           <a:p>
             <a:fld id="{1B690E39-F30C-4A14-BE95-FF764D57248C}" type="datetimeFigureOut">
               <a:rPr lang="es-AR" smtClean="0"/>
-              <a:t>17/8/2021</a:t>
+              <a:t>21/9/2023</a:t>
             </a:fld>
             <a:endParaRPr lang="es-AR"/>
           </a:p>
@@ -4582,6 +4583,468 @@
     <p:extLst>
       <p:ext uri="{BB962C8B-B14F-4D97-AF65-F5344CB8AC3E}">
         <p14:creationId xmlns:p14="http://schemas.microsoft.com/office/powerpoint/2010/main" val="550277684"/>
+      </p:ext>
+    </p:extLst>
+  </p:cSld>
+  <p:clrMapOvr>
+    <a:masterClrMapping/>
+  </p:clrMapOvr>
+</p:notes>
+</file>
+
+<file path=ppt/notesSlides/notesSlide10.xml><?xml version="1.0" encoding="utf-8"?>
+<p:notes xmlns:a="http://schemas.openxmlformats.org/drawingml/2006/main" xmlns:r="http://schemas.openxmlformats.org/officeDocument/2006/relationships" xmlns:p="http://schemas.openxmlformats.org/presentationml/2006/main">
+  <p:cSld>
+    <p:bg>
+      <p:bgPr>
+        <a:solidFill>
+          <a:srgbClr val="FFFFFF"/>
+        </a:solidFill>
+        <a:effectLst/>
+      </p:bgPr>
+    </p:bg>
+    <p:spTree>
+      <p:nvGrpSpPr>
+        <p:cNvPr id="1" name=""/>
+        <p:cNvGrpSpPr/>
+        <p:nvPr/>
+      </p:nvGrpSpPr>
+      <p:grpSpPr>
+        <a:xfrm>
+          <a:off x="0" y="0"/>
+          <a:ext cx="0" cy="0"/>
+          <a:chOff x="0" y="0"/>
+          <a:chExt cx="0" cy="0"/>
+        </a:xfrm>
+      </p:grpSpPr>
+      <p:sp>
+        <p:nvSpPr>
+          <p:cNvPr id="10242" name="Rectangle 6"/>
+          <p:cNvSpPr>
+            <a:spLocks noGrp="1" noChangeArrowheads="1"/>
+          </p:cNvSpPr>
+          <p:nvPr>
+            <p:ph type="sldNum" sz="quarter"/>
+          </p:nvPr>
+        </p:nvSpPr>
+        <p:spPr>
+          <a:noFill/>
+          <a:extLst>
+            <a:ext uri="{91240B29-F687-4F45-9708-019B960494DF}">
+              <a14:hiddenLine xmlns:a14="http://schemas.microsoft.com/office/drawing/2010/main" w="9525">
+                <a:solidFill>
+                  <a:srgbClr val="808080"/>
+                </a:solidFill>
+                <a:round/>
+                <a:headEnd/>
+                <a:tailEnd/>
+              </a14:hiddenLine>
+            </a:ext>
+          </a:extLst>
+        </p:spPr>
+        <p:txBody>
+          <a:bodyPr/>
+          <a:lstStyle>
+            <a:lvl1pPr>
+              <a:spcBef>
+                <a:spcPct val="30000"/>
+              </a:spcBef>
+              <a:buClr>
+                <a:srgbClr val="000000"/>
+              </a:buClr>
+              <a:buSzPct val="100000"/>
+              <a:buFont typeface="Times New Roman" panose="02020603050405020304" pitchFamily="18" charset="0"/>
+              <a:tabLst>
+                <a:tab pos="723900" algn="l"/>
+                <a:tab pos="1447800" algn="l"/>
+                <a:tab pos="2171700" algn="l"/>
+                <a:tab pos="2895600" algn="l"/>
+              </a:tabLst>
+              <a:defRPr sz="1200">
+                <a:solidFill>
+                  <a:srgbClr val="000000"/>
+                </a:solidFill>
+                <a:latin typeface="Times New Roman" panose="02020603050405020304" pitchFamily="18" charset="0"/>
+              </a:defRPr>
+            </a:lvl1pPr>
+            <a:lvl2pPr>
+              <a:spcBef>
+                <a:spcPct val="30000"/>
+              </a:spcBef>
+              <a:buClr>
+                <a:srgbClr val="000000"/>
+              </a:buClr>
+              <a:buSzPct val="100000"/>
+              <a:buFont typeface="Times New Roman" panose="02020603050405020304" pitchFamily="18" charset="0"/>
+              <a:tabLst>
+                <a:tab pos="723900" algn="l"/>
+                <a:tab pos="1447800" algn="l"/>
+                <a:tab pos="2171700" algn="l"/>
+                <a:tab pos="2895600" algn="l"/>
+              </a:tabLst>
+              <a:defRPr sz="1200">
+                <a:solidFill>
+                  <a:srgbClr val="000000"/>
+                </a:solidFill>
+                <a:latin typeface="Times New Roman" panose="02020603050405020304" pitchFamily="18" charset="0"/>
+              </a:defRPr>
+            </a:lvl2pPr>
+            <a:lvl3pPr>
+              <a:spcBef>
+                <a:spcPct val="30000"/>
+              </a:spcBef>
+              <a:buClr>
+                <a:srgbClr val="000000"/>
+              </a:buClr>
+              <a:buSzPct val="100000"/>
+              <a:buFont typeface="Times New Roman" panose="02020603050405020304" pitchFamily="18" charset="0"/>
+              <a:tabLst>
+                <a:tab pos="723900" algn="l"/>
+                <a:tab pos="1447800" algn="l"/>
+                <a:tab pos="2171700" algn="l"/>
+                <a:tab pos="2895600" algn="l"/>
+              </a:tabLst>
+              <a:defRPr sz="1200">
+                <a:solidFill>
+                  <a:srgbClr val="000000"/>
+                </a:solidFill>
+                <a:latin typeface="Times New Roman" panose="02020603050405020304" pitchFamily="18" charset="0"/>
+              </a:defRPr>
+            </a:lvl3pPr>
+            <a:lvl4pPr>
+              <a:spcBef>
+                <a:spcPct val="30000"/>
+              </a:spcBef>
+              <a:buClr>
+                <a:srgbClr val="000000"/>
+              </a:buClr>
+              <a:buSzPct val="100000"/>
+              <a:buFont typeface="Times New Roman" panose="02020603050405020304" pitchFamily="18" charset="0"/>
+              <a:tabLst>
+                <a:tab pos="723900" algn="l"/>
+                <a:tab pos="1447800" algn="l"/>
+                <a:tab pos="2171700" algn="l"/>
+                <a:tab pos="2895600" algn="l"/>
+              </a:tabLst>
+              <a:defRPr sz="1200">
+                <a:solidFill>
+                  <a:srgbClr val="000000"/>
+                </a:solidFill>
+                <a:latin typeface="Times New Roman" panose="02020603050405020304" pitchFamily="18" charset="0"/>
+              </a:defRPr>
+            </a:lvl4pPr>
+            <a:lvl5pPr>
+              <a:spcBef>
+                <a:spcPct val="30000"/>
+              </a:spcBef>
+              <a:buClr>
+                <a:srgbClr val="000000"/>
+              </a:buClr>
+              <a:buSzPct val="100000"/>
+              <a:buFont typeface="Times New Roman" panose="02020603050405020304" pitchFamily="18" charset="0"/>
+              <a:tabLst>
+                <a:tab pos="723900" algn="l"/>
+                <a:tab pos="1447800" algn="l"/>
+                <a:tab pos="2171700" algn="l"/>
+                <a:tab pos="2895600" algn="l"/>
+              </a:tabLst>
+              <a:defRPr sz="1200">
+                <a:solidFill>
+                  <a:srgbClr val="000000"/>
+                </a:solidFill>
+                <a:latin typeface="Times New Roman" panose="02020603050405020304" pitchFamily="18" charset="0"/>
+              </a:defRPr>
+            </a:lvl5pPr>
+            <a:lvl6pPr marL="2514600" indent="-228600" defTabSz="449263" eaLnBrk="0" fontAlgn="base" hangingPunct="0">
+              <a:spcBef>
+                <a:spcPct val="30000"/>
+              </a:spcBef>
+              <a:spcAft>
+                <a:spcPct val="0"/>
+              </a:spcAft>
+              <a:buClr>
+                <a:srgbClr val="000000"/>
+              </a:buClr>
+              <a:buSzPct val="100000"/>
+              <a:buFont typeface="Times New Roman" panose="02020603050405020304" pitchFamily="18" charset="0"/>
+              <a:tabLst>
+                <a:tab pos="723900" algn="l"/>
+                <a:tab pos="1447800" algn="l"/>
+                <a:tab pos="2171700" algn="l"/>
+                <a:tab pos="2895600" algn="l"/>
+              </a:tabLst>
+              <a:defRPr sz="1200">
+                <a:solidFill>
+                  <a:srgbClr val="000000"/>
+                </a:solidFill>
+                <a:latin typeface="Times New Roman" panose="02020603050405020304" pitchFamily="18" charset="0"/>
+              </a:defRPr>
+            </a:lvl6pPr>
+            <a:lvl7pPr marL="2971800" indent="-228600" defTabSz="449263" eaLnBrk="0" fontAlgn="base" hangingPunct="0">
+              <a:spcBef>
+                <a:spcPct val="30000"/>
+              </a:spcBef>
+              <a:spcAft>
+                <a:spcPct val="0"/>
+              </a:spcAft>
+              <a:buClr>
+                <a:srgbClr val="000000"/>
+              </a:buClr>
+              <a:buSzPct val="100000"/>
+              <a:buFont typeface="Times New Roman" panose="02020603050405020304" pitchFamily="18" charset="0"/>
+              <a:tabLst>
+                <a:tab pos="723900" algn="l"/>
+                <a:tab pos="1447800" algn="l"/>
+                <a:tab pos="2171700" algn="l"/>
+                <a:tab pos="2895600" algn="l"/>
+              </a:tabLst>
+              <a:defRPr sz="1200">
+                <a:solidFill>
+                  <a:srgbClr val="000000"/>
+                </a:solidFill>
+                <a:latin typeface="Times New Roman" panose="02020603050405020304" pitchFamily="18" charset="0"/>
+              </a:defRPr>
+            </a:lvl7pPr>
+            <a:lvl8pPr marL="3429000" indent="-228600" defTabSz="449263" eaLnBrk="0" fontAlgn="base" hangingPunct="0">
+              <a:spcBef>
+                <a:spcPct val="30000"/>
+              </a:spcBef>
+              <a:spcAft>
+                <a:spcPct val="0"/>
+              </a:spcAft>
+              <a:buClr>
+                <a:srgbClr val="000000"/>
+              </a:buClr>
+              <a:buSzPct val="100000"/>
+              <a:buFont typeface="Times New Roman" panose="02020603050405020304" pitchFamily="18" charset="0"/>
+              <a:tabLst>
+                <a:tab pos="723900" algn="l"/>
+                <a:tab pos="1447800" algn="l"/>
+                <a:tab pos="2171700" algn="l"/>
+                <a:tab pos="2895600" algn="l"/>
+              </a:tabLst>
+              <a:defRPr sz="1200">
+                <a:solidFill>
+                  <a:srgbClr val="000000"/>
+                </a:solidFill>
+                <a:latin typeface="Times New Roman" panose="02020603050405020304" pitchFamily="18" charset="0"/>
+              </a:defRPr>
+            </a:lvl8pPr>
+            <a:lvl9pPr marL="3886200" indent="-228600" defTabSz="449263" eaLnBrk="0" fontAlgn="base" hangingPunct="0">
+              <a:spcBef>
+                <a:spcPct val="30000"/>
+              </a:spcBef>
+              <a:spcAft>
+                <a:spcPct val="0"/>
+              </a:spcAft>
+              <a:buClr>
+                <a:srgbClr val="000000"/>
+              </a:buClr>
+              <a:buSzPct val="100000"/>
+              <a:buFont typeface="Times New Roman" panose="02020603050405020304" pitchFamily="18" charset="0"/>
+              <a:tabLst>
+                <a:tab pos="723900" algn="l"/>
+                <a:tab pos="1447800" algn="l"/>
+                <a:tab pos="2171700" algn="l"/>
+                <a:tab pos="2895600" algn="l"/>
+              </a:tabLst>
+              <a:defRPr sz="1200">
+                <a:solidFill>
+                  <a:srgbClr val="000000"/>
+                </a:solidFill>
+                <a:latin typeface="Times New Roman" panose="02020603050405020304" pitchFamily="18" charset="0"/>
+              </a:defRPr>
+            </a:lvl9pPr>
+          </a:lstStyle>
+          <a:p>
+            <a:pPr marL="0" marR="0" lvl="0" indent="0" algn="r" defTabSz="449263" rtl="0" eaLnBrk="1" fontAlgn="base" latinLnBrk="0" hangingPunct="0">
+              <a:lnSpc>
+                <a:spcPct val="95000"/>
+              </a:lnSpc>
+              <a:spcBef>
+                <a:spcPct val="0"/>
+              </a:spcBef>
+              <a:spcAft>
+                <a:spcPct val="0"/>
+              </a:spcAft>
+              <a:buClr>
+                <a:srgbClr val="000000"/>
+              </a:buClr>
+              <a:buSzPct val="100000"/>
+              <a:buFont typeface="Times New Roman" panose="02020603050405020304" pitchFamily="18" charset="0"/>
+              <a:buNone/>
+              <a:tabLst>
+                <a:tab pos="723900" algn="l"/>
+                <a:tab pos="1447800" algn="l"/>
+                <a:tab pos="2171700" algn="l"/>
+                <a:tab pos="2895600" algn="l"/>
+              </a:tabLst>
+              <a:defRPr/>
+            </a:pPr>
+            <a:fld id="{71F84F50-F7F4-4521-AE96-DF8DD2A2027A}" type="slidenum">
+              <a:rPr kumimoji="0" lang="es-AR" altLang="es-AR" sz="1400" b="0" i="0" u="none" strike="noStrike" kern="1200" cap="none" spc="0" normalizeH="0" baseline="0" noProof="0" smtClean="0">
+                <a:ln>
+                  <a:noFill/>
+                </a:ln>
+                <a:solidFill>
+                  <a:srgbClr val="000000"/>
+                </a:solidFill>
+                <a:effectLst/>
+                <a:uLnTx/>
+                <a:uFillTx/>
+                <a:latin typeface="Times New Roman" panose="02020603050405020304" pitchFamily="18" charset="0"/>
+                <a:ea typeface="Microsoft YaHei" panose="020B0503020204020204" pitchFamily="34" charset="-122"/>
+                <a:cs typeface="Arial" panose="020B0604020202020204" pitchFamily="34" charset="0"/>
+              </a:rPr>
+              <a:pPr marL="0" marR="0" lvl="0" indent="0" algn="r" defTabSz="449263" rtl="0" eaLnBrk="1" fontAlgn="base" latinLnBrk="0" hangingPunct="0">
+                <a:lnSpc>
+                  <a:spcPct val="95000"/>
+                </a:lnSpc>
+                <a:spcBef>
+                  <a:spcPct val="0"/>
+                </a:spcBef>
+                <a:spcAft>
+                  <a:spcPct val="0"/>
+                </a:spcAft>
+                <a:buClr>
+                  <a:srgbClr val="000000"/>
+                </a:buClr>
+                <a:buSzPct val="100000"/>
+                <a:buFont typeface="Times New Roman" panose="02020603050405020304" pitchFamily="18" charset="0"/>
+                <a:buNone/>
+                <a:tabLst>
+                  <a:tab pos="723900" algn="l"/>
+                  <a:tab pos="1447800" algn="l"/>
+                  <a:tab pos="2171700" algn="l"/>
+                  <a:tab pos="2895600" algn="l"/>
+                </a:tabLst>
+                <a:defRPr/>
+              </a:pPr>
+              <a:t>10</a:t>
+            </a:fld>
+            <a:endParaRPr kumimoji="0" lang="es-AR" altLang="es-AR" sz="1400" b="0" i="0" u="none" strike="noStrike" kern="1200" cap="none" spc="0" normalizeH="0" baseline="0" noProof="0">
+              <a:ln>
+                <a:noFill/>
+              </a:ln>
+              <a:solidFill>
+                <a:srgbClr val="000000"/>
+              </a:solidFill>
+              <a:effectLst/>
+              <a:uLnTx/>
+              <a:uFillTx/>
+              <a:latin typeface="Times New Roman" panose="02020603050405020304" pitchFamily="18" charset="0"/>
+              <a:ea typeface="Microsoft YaHei" panose="020B0503020204020204" pitchFamily="34" charset="-122"/>
+              <a:cs typeface="Arial" panose="020B0604020202020204" pitchFamily="34" charset="0"/>
+            </a:endParaRPr>
+          </a:p>
+        </p:txBody>
+      </p:sp>
+      <p:sp>
+        <p:nvSpPr>
+          <p:cNvPr id="10243" name="Rectangle 1"/>
+          <p:cNvSpPr>
+            <a:spLocks noGrp="1" noChangeArrowheads="1"/>
+          </p:cNvSpPr>
+          <p:nvPr>
+            <p:ph type="body"/>
+          </p:nvPr>
+        </p:nvSpPr>
+        <p:spPr>
+          <a:xfrm>
+            <a:off x="685800" y="4343400"/>
+            <a:ext cx="5486400" cy="4114800"/>
+          </a:xfrm>
+          <a:noFill/>
+          <a:extLst>
+            <a:ext uri="{91240B29-F687-4F45-9708-019B960494DF}">
+              <a14:hiddenLine xmlns:a14="http://schemas.microsoft.com/office/drawing/2010/main" w="9525">
+                <a:solidFill>
+                  <a:srgbClr val="808080"/>
+                </a:solidFill>
+                <a:miter lim="800000"/>
+                <a:headEnd/>
+                <a:tailEnd/>
+              </a14:hiddenLine>
+            </a:ext>
+            <a:ext uri="{AF507438-7753-43E0-B8FC-AC1667EBCBE1}">
+              <a14:hiddenEffects xmlns:a14="http://schemas.microsoft.com/office/drawing/2010/main">
+                <a:effectLst>
+                  <a:outerShdw dist="35921" dir="2700000" algn="ctr" rotWithShape="0">
+                    <a:srgbClr val="808080"/>
+                  </a:outerShdw>
+                </a:effectLst>
+              </a14:hiddenEffects>
+            </a:ext>
+          </a:extLst>
+        </p:spPr>
+        <p:txBody>
+          <a:bodyPr wrap="none" anchor="ctr"/>
+          <a:lstStyle/>
+          <a:p>
+            <a:pPr marL="215900" indent="-214313" eaLnBrk="1">
+              <a:spcBef>
+                <a:spcPct val="0"/>
+              </a:spcBef>
+              <a:tabLst>
+                <a:tab pos="723900" algn="l"/>
+                <a:tab pos="1447800" algn="l"/>
+                <a:tab pos="2171700" algn="l"/>
+                <a:tab pos="2895600" algn="l"/>
+                <a:tab pos="3619500" algn="l"/>
+                <a:tab pos="4343400" algn="l"/>
+                <a:tab pos="5067300" algn="l"/>
+              </a:tabLst>
+            </a:pPr>
+            <a:endParaRPr lang="es-AR" altLang="es-AR" sz="2000">
+              <a:latin typeface="Arial" panose="020B0604020202020204" pitchFamily="34" charset="0"/>
+              <a:ea typeface="Microsoft YaHei" panose="020B0503020204020204" pitchFamily="34" charset="-122"/>
+            </a:endParaRPr>
+          </a:p>
+        </p:txBody>
+      </p:sp>
+      <p:sp>
+        <p:nvSpPr>
+          <p:cNvPr id="10244" name="Rectangle 2"/>
+          <p:cNvSpPr>
+            <a:spLocks noGrp="1" noRot="1" noChangeAspect="1" noChangeArrowheads="1" noTextEdit="1"/>
+          </p:cNvSpPr>
+          <p:nvPr>
+            <p:ph type="sldImg" idx="1"/>
+          </p:nvPr>
+        </p:nvSpPr>
+        <p:spPr>
+          <a:xfrm>
+            <a:off x="381000" y="685800"/>
+            <a:ext cx="6096000" cy="3429000"/>
+          </a:xfrm>
+          <a:solidFill>
+            <a:srgbClr val="FFFFFF"/>
+          </a:solidFill>
+          <a:ln>
+            <a:solidFill>
+              <a:srgbClr val="000000"/>
+            </a:solidFill>
+            <a:miter lim="800000"/>
+            <a:headEnd/>
+            <a:tailEnd/>
+          </a:ln>
+          <a:extLst>
+            <a:ext uri="{AF507438-7753-43E0-B8FC-AC1667EBCBE1}">
+              <a14:hiddenEffects xmlns:a14="http://schemas.microsoft.com/office/drawing/2010/main">
+                <a:effectLst>
+                  <a:outerShdw dist="35921" dir="2700000" algn="ctr" rotWithShape="0">
+                    <a:srgbClr val="808080"/>
+                  </a:outerShdw>
+                </a:effectLst>
+              </a14:hiddenEffects>
+            </a:ext>
+          </a:extLst>
+        </p:spPr>
+      </p:sp>
+    </p:spTree>
+    <p:extLst>
+      <p:ext uri="{BB962C8B-B14F-4D97-AF65-F5344CB8AC3E}">
+        <p14:creationId xmlns:p14="http://schemas.microsoft.com/office/powerpoint/2010/main" val="4248189815"/>
       </p:ext>
     </p:extLst>
   </p:cSld>
@@ -7353,7 +7816,7 @@
     </p:spTree>
     <p:extLst>
       <p:ext uri="{BB962C8B-B14F-4D97-AF65-F5344CB8AC3E}">
-        <p14:creationId xmlns:p14="http://schemas.microsoft.com/office/powerpoint/2010/main" val="2178082159"/>
+        <p14:creationId xmlns:p14="http://schemas.microsoft.com/office/powerpoint/2010/main" val="1531210815"/>
       </p:ext>
     </p:extLst>
   </p:cSld>
@@ -7815,7 +8278,7 @@
     </p:spTree>
     <p:extLst>
       <p:ext uri="{BB962C8B-B14F-4D97-AF65-F5344CB8AC3E}">
-        <p14:creationId xmlns:p14="http://schemas.microsoft.com/office/powerpoint/2010/main" val="1716625098"/>
+        <p14:creationId xmlns:p14="http://schemas.microsoft.com/office/powerpoint/2010/main" val="2178082159"/>
       </p:ext>
     </p:extLst>
   </p:cSld>
@@ -8277,7 +8740,7 @@
     </p:spTree>
     <p:extLst>
       <p:ext uri="{BB962C8B-B14F-4D97-AF65-F5344CB8AC3E}">
-        <p14:creationId xmlns:p14="http://schemas.microsoft.com/office/powerpoint/2010/main" val="4248189815"/>
+        <p14:creationId xmlns:p14="http://schemas.microsoft.com/office/powerpoint/2010/main" val="1716625098"/>
       </p:ext>
     </p:extLst>
   </p:cSld>
@@ -11290,7 +11753,7 @@
           <p:cNvPr id="4" name="2 CuadroTexto">
             <a:extLst>
               <a:ext uri="{FF2B5EF4-FFF2-40B4-BE49-F238E27FC236}">
-                <a16:creationId xmlns:a16="http://schemas.microsoft.com/office/drawing/2014/main" id="{79AD52D0-06D4-4493-91EA-6C4E014DE8E7}"/>
+                <a16:creationId xmlns:a16="http://schemas.microsoft.com/office/drawing/2014/main" xmlns="" id="{79AD52D0-06D4-4493-91EA-6C4E014DE8E7}"/>
               </a:ext>
             </a:extLst>
           </p:cNvPr>
@@ -11386,6 +11849,184 @@
 </p:sld>
 </file>
 
+<file path=ppt/slides/slide10.xml><?xml version="1.0" encoding="utf-8"?>
+<p:sld xmlns:a="http://schemas.openxmlformats.org/drawingml/2006/main" xmlns:r="http://schemas.openxmlformats.org/officeDocument/2006/relationships" xmlns:p="http://schemas.openxmlformats.org/presentationml/2006/main">
+  <p:cSld>
+    <p:bg>
+      <p:bgPr>
+        <a:blipFill dpi="0" rotWithShape="0">
+          <a:blip r:embed="rId3"/>
+          <a:srcRect/>
+          <a:stretch>
+            <a:fillRect/>
+          </a:stretch>
+        </a:blipFill>
+        <a:effectLst/>
+      </p:bgPr>
+    </p:bg>
+    <p:spTree>
+      <p:nvGrpSpPr>
+        <p:cNvPr id="1" name=""/>
+        <p:cNvGrpSpPr/>
+        <p:nvPr/>
+      </p:nvGrpSpPr>
+      <p:grpSpPr>
+        <a:xfrm>
+          <a:off x="0" y="0"/>
+          <a:ext cx="0" cy="0"/>
+          <a:chOff x="0" y="0"/>
+          <a:chExt cx="0" cy="0"/>
+        </a:xfrm>
+      </p:grpSpPr>
+      <p:sp>
+        <p:nvSpPr>
+          <p:cNvPr id="2" name="CuadroTexto 1"/>
+          <p:cNvSpPr txBox="1"/>
+          <p:nvPr/>
+        </p:nvSpPr>
+        <p:spPr>
+          <a:xfrm>
+            <a:off x="1184032" y="5416061"/>
+            <a:ext cx="6013938" cy="923330"/>
+          </a:xfrm>
+          <a:prstGeom prst="rect">
+            <a:avLst/>
+          </a:prstGeom>
+          <a:noFill/>
+        </p:spPr>
+        <p:txBody>
+          <a:bodyPr wrap="square" rtlCol="0">
+            <a:spAutoFit/>
+          </a:bodyPr>
+          <a:lstStyle/>
+          <a:p>
+            <a:r>
+              <a:rPr lang="es-AR" sz="5400" dirty="0">
+                <a:solidFill>
+                  <a:schemeClr val="bg1"/>
+                </a:solidFill>
+              </a:rPr>
+              <a:t>Gracias</a:t>
+            </a:r>
+          </a:p>
+        </p:txBody>
+      </p:sp>
+      <p:sp>
+        <p:nvSpPr>
+          <p:cNvPr id="9218" name="1 Rectángulo"/>
+          <p:cNvSpPr>
+            <a:spLocks noChangeArrowheads="1"/>
+          </p:cNvSpPr>
+          <p:nvPr/>
+        </p:nvSpPr>
+        <p:spPr bwMode="auto">
+          <a:xfrm flipV="1">
+            <a:off x="0" y="6857999"/>
+            <a:ext cx="12192000" cy="45719"/>
+          </a:xfrm>
+          <a:prstGeom prst="rect">
+            <a:avLst/>
+          </a:prstGeom>
+          <a:solidFill>
+            <a:schemeClr val="bg1"/>
+          </a:solidFill>
+          <a:ln>
+            <a:noFill/>
+          </a:ln>
+          <a:extLst>
+            <a:ext uri="{91240B29-F687-4F45-9708-019B960494DF}">
+              <a14:hiddenLine xmlns:a14="http://schemas.microsoft.com/office/drawing/2010/main" w="9525" algn="ctr">
+                <a:solidFill>
+                  <a:srgbClr val="000000"/>
+                </a:solidFill>
+                <a:round/>
+                <a:headEnd/>
+                <a:tailEnd/>
+              </a14:hiddenLine>
+            </a:ext>
+          </a:extLst>
+        </p:spPr>
+        <p:txBody>
+          <a:bodyPr/>
+          <a:lstStyle/>
+          <a:p>
+            <a:pPr marL="0" marR="0" lvl="0" indent="0" algn="l" defTabSz="599002" rtl="0" eaLnBrk="1" fontAlgn="base" latinLnBrk="0" hangingPunct="0">
+              <a:lnSpc>
+                <a:spcPct val="93000"/>
+              </a:lnSpc>
+              <a:spcBef>
+                <a:spcPct val="0"/>
+              </a:spcBef>
+              <a:spcAft>
+                <a:spcPct val="0"/>
+              </a:spcAft>
+              <a:buClr>
+                <a:srgbClr val="000000"/>
+              </a:buClr>
+              <a:buSzPct val="100000"/>
+              <a:buFontTx/>
+              <a:buNone/>
+              <a:tabLst/>
+              <a:defRPr/>
+            </a:pPr>
+            <a:endParaRPr kumimoji="0" lang="es-AR" altLang="es-AR" sz="2400" b="0" i="0" u="none" strike="noStrike" kern="1200" cap="none" spc="0" normalizeH="0" baseline="0" noProof="0" dirty="0">
+              <a:ln>
+                <a:noFill/>
+              </a:ln>
+              <a:solidFill>
+                <a:srgbClr val="000000"/>
+              </a:solidFill>
+              <a:effectLst/>
+              <a:uLnTx/>
+              <a:uFillTx/>
+              <a:latin typeface="Arial" panose="020B0604020202020204" pitchFamily="34" charset="0"/>
+              <a:ea typeface="Microsoft YaHei" panose="020B0503020204020204" pitchFamily="34" charset="-122"/>
+              <a:cs typeface="Arial"/>
+            </a:endParaRPr>
+          </a:p>
+        </p:txBody>
+      </p:sp>
+    </p:spTree>
+    <p:extLst>
+      <p:ext uri="{BB962C8B-B14F-4D97-AF65-F5344CB8AC3E}">
+        <p14:creationId xmlns:p14="http://schemas.microsoft.com/office/powerpoint/2010/main" val="717311304"/>
+      </p:ext>
+    </p:extLst>
+  </p:cSld>
+  <p:clrMapOvr>
+    <a:masterClrMapping/>
+  </p:clrMapOvr>
+  <p:transition spd="slow"/>
+  <p:timing>
+    <p:tnLst>
+      <p:par>
+        <p:cTn id="1" dur="indefinite" restart="never" nodeType="tmRoot">
+          <p:childTnLst>
+            <p:seq concurrent="1" nextAc="seek">
+              <p:cTn id="2" dur="0" nodeType="mainSeq"/>
+              <p:prevCondLst>
+                <p:cond evt="onPrev" delay="0">
+                  <p:tgtEl>
+                    <p:sldTgt/>
+                  </p:tgtEl>
+                </p:cond>
+              </p:prevCondLst>
+              <p:nextCondLst>
+                <p:cond evt="onNext" delay="0">
+                  <p:tgtEl>
+                    <p:sldTgt/>
+                  </p:tgtEl>
+                </p:cond>
+              </p:nextCondLst>
+            </p:seq>
+          </p:childTnLst>
+        </p:cTn>
+      </p:par>
+    </p:tnLst>
+  </p:timing>
+</p:sld>
+</file>
+
 <file path=ppt/slides/slide2.xml><?xml version="1.0" encoding="utf-8"?>
 <p:sld xmlns:a="http://schemas.openxmlformats.org/drawingml/2006/main" xmlns:r="http://schemas.openxmlformats.org/officeDocument/2006/relationships" xmlns:p="http://schemas.openxmlformats.org/presentationml/2006/main">
   <p:cSld>
@@ -11420,7 +12061,7 @@
           <p:cNvPr id="6" name="1 Rectángulo">
             <a:extLst>
               <a:ext uri="{FF2B5EF4-FFF2-40B4-BE49-F238E27FC236}">
-                <a16:creationId xmlns:a16="http://schemas.microsoft.com/office/drawing/2014/main" id="{44BD0C14-E986-4E36-83C4-EA36A6334937}"/>
+                <a16:creationId xmlns:a16="http://schemas.microsoft.com/office/drawing/2014/main" xmlns="" id="{44BD0C14-E986-4E36-83C4-EA36A6334937}"/>
               </a:ext>
             </a:extLst>
           </p:cNvPr>
@@ -11652,7 +12293,7 @@
                 <a:hlinkClick r:id="rId4">
                   <a:extLst>
                     <a:ext uri="{A12FA001-AC4F-418D-AE19-62706E023703}">
-                      <ahyp:hlinkClr xmlns:ahyp="http://schemas.microsoft.com/office/drawing/2018/hyperlinkcolor" val="tx"/>
+                      <ahyp:hlinkClr xmlns:ahyp="http://schemas.microsoft.com/office/drawing/2018/hyperlinkcolor" xmlns="" val="tx"/>
                     </a:ext>
                   </a:extLst>
                 </a:hlinkClick>
@@ -11687,7 +12328,7 @@
                 <a:hlinkClick r:id="rId5">
                   <a:extLst>
                     <a:ext uri="{A12FA001-AC4F-418D-AE19-62706E023703}">
-                      <ahyp:hlinkClr xmlns:ahyp="http://schemas.microsoft.com/office/drawing/2018/hyperlinkcolor" val="tx"/>
+                      <ahyp:hlinkClr xmlns:ahyp="http://schemas.microsoft.com/office/drawing/2018/hyperlinkcolor" xmlns="" val="tx"/>
                     </a:ext>
                   </a:extLst>
                 </a:hlinkClick>
@@ -11723,7 +12364,7 @@
                 <a:hlinkClick r:id="rId6">
                   <a:extLst>
                     <a:ext uri="{A12FA001-AC4F-418D-AE19-62706E023703}">
-                      <ahyp:hlinkClr xmlns:ahyp="http://schemas.microsoft.com/office/drawing/2018/hyperlinkcolor" val="tx"/>
+                      <ahyp:hlinkClr xmlns:ahyp="http://schemas.microsoft.com/office/drawing/2018/hyperlinkcolor" xmlns="" val="tx"/>
                     </a:ext>
                   </a:extLst>
                 </a:hlinkClick>
@@ -11758,7 +12399,7 @@
                 <a:hlinkClick r:id="rId7">
                   <a:extLst>
                     <a:ext uri="{A12FA001-AC4F-418D-AE19-62706E023703}">
-                      <ahyp:hlinkClr xmlns:ahyp="http://schemas.microsoft.com/office/drawing/2018/hyperlinkcolor" val="tx"/>
+                      <ahyp:hlinkClr xmlns:ahyp="http://schemas.microsoft.com/office/drawing/2018/hyperlinkcolor" xmlns="" val="tx"/>
                     </a:ext>
                   </a:extLst>
                 </a:hlinkClick>
@@ -11847,7 +12488,7 @@
           <p:cNvPr id="2" name="1 Rectángulo">
             <a:extLst>
               <a:ext uri="{FF2B5EF4-FFF2-40B4-BE49-F238E27FC236}">
-                <a16:creationId xmlns:a16="http://schemas.microsoft.com/office/drawing/2014/main" id="{A5730314-F48D-4A94-8082-1A078D17144B}"/>
+                <a16:creationId xmlns:a16="http://schemas.microsoft.com/office/drawing/2014/main" xmlns="" id="{A5730314-F48D-4A94-8082-1A078D17144B}"/>
               </a:ext>
             </a:extLst>
           </p:cNvPr>
@@ -11923,7 +12564,7 @@
           <p:cNvPr id="6" name="1 Rectángulo">
             <a:extLst>
               <a:ext uri="{FF2B5EF4-FFF2-40B4-BE49-F238E27FC236}">
-                <a16:creationId xmlns:a16="http://schemas.microsoft.com/office/drawing/2014/main" id="{34AAE301-8090-49B5-8FAF-01A294F5DA9A}"/>
+                <a16:creationId xmlns:a16="http://schemas.microsoft.com/office/drawing/2014/main" xmlns="" id="{34AAE301-8090-49B5-8FAF-01A294F5DA9A}"/>
               </a:ext>
             </a:extLst>
           </p:cNvPr>
@@ -12104,7 +12745,7 @@
           <p:cNvPr id="2" name="1 Rectángulo">
             <a:extLst>
               <a:ext uri="{FF2B5EF4-FFF2-40B4-BE49-F238E27FC236}">
-                <a16:creationId xmlns:a16="http://schemas.microsoft.com/office/drawing/2014/main" id="{A5730314-F48D-4A94-8082-1A078D17144B}"/>
+                <a16:creationId xmlns:a16="http://schemas.microsoft.com/office/drawing/2014/main" xmlns="" id="{A5730314-F48D-4A94-8082-1A078D17144B}"/>
               </a:ext>
             </a:extLst>
           </p:cNvPr>
@@ -12180,7 +12821,7 @@
           <p:cNvPr id="6" name="1 Rectángulo">
             <a:extLst>
               <a:ext uri="{FF2B5EF4-FFF2-40B4-BE49-F238E27FC236}">
-                <a16:creationId xmlns:a16="http://schemas.microsoft.com/office/drawing/2014/main" id="{34AAE301-8090-49B5-8FAF-01A294F5DA9A}"/>
+                <a16:creationId xmlns:a16="http://schemas.microsoft.com/office/drawing/2014/main" xmlns="" id="{34AAE301-8090-49B5-8FAF-01A294F5DA9A}"/>
               </a:ext>
             </a:extLst>
           </p:cNvPr>
@@ -12331,7 +12972,7 @@
           <p:cNvPr id="2" name="1 Rectángulo">
             <a:extLst>
               <a:ext uri="{FF2B5EF4-FFF2-40B4-BE49-F238E27FC236}">
-                <a16:creationId xmlns:a16="http://schemas.microsoft.com/office/drawing/2014/main" id="{A5730314-F48D-4A94-8082-1A078D17144B}"/>
+                <a16:creationId xmlns:a16="http://schemas.microsoft.com/office/drawing/2014/main" xmlns="" id="{A5730314-F48D-4A94-8082-1A078D17144B}"/>
               </a:ext>
             </a:extLst>
           </p:cNvPr>
@@ -12407,7 +13048,7 @@
           <p:cNvPr id="3" name="1 Rectángulo">
             <a:extLst>
               <a:ext uri="{FF2B5EF4-FFF2-40B4-BE49-F238E27FC236}">
-                <a16:creationId xmlns:a16="http://schemas.microsoft.com/office/drawing/2014/main" id="{04CE09DF-69F6-4A07-8021-EE8872268A78}"/>
+                <a16:creationId xmlns:a16="http://schemas.microsoft.com/office/drawing/2014/main" xmlns="" id="{04CE09DF-69F6-4A07-8021-EE8872268A78}"/>
               </a:ext>
             </a:extLst>
           </p:cNvPr>
@@ -12456,7 +13097,7 @@
           <p:cNvPr id="7" name="Grupo 6">
             <a:extLst>
               <a:ext uri="{FF2B5EF4-FFF2-40B4-BE49-F238E27FC236}">
-                <a16:creationId xmlns:a16="http://schemas.microsoft.com/office/drawing/2014/main" id="{431F5021-EB1E-4DC9-8527-D73807CBBA6B}"/>
+                <a16:creationId xmlns:a16="http://schemas.microsoft.com/office/drawing/2014/main" xmlns="" id="{431F5021-EB1E-4DC9-8527-D73807CBBA6B}"/>
               </a:ext>
             </a:extLst>
           </p:cNvPr>
@@ -12476,7 +13117,7 @@
             <p:cNvPr id="8" name="Line 4">
               <a:extLst>
                 <a:ext uri="{FF2B5EF4-FFF2-40B4-BE49-F238E27FC236}">
-                  <a16:creationId xmlns:a16="http://schemas.microsoft.com/office/drawing/2014/main" id="{A4F0E2E4-6FD4-476E-BFBC-48BAF4AEBFE1}"/>
+                  <a16:creationId xmlns:a16="http://schemas.microsoft.com/office/drawing/2014/main" xmlns="" id="{A4F0E2E4-6FD4-476E-BFBC-48BAF4AEBFE1}"/>
                 </a:ext>
               </a:extLst>
             </p:cNvPr>
@@ -12533,7 +13174,7 @@
             <p:cNvPr id="9" name="Line 5">
               <a:extLst>
                 <a:ext uri="{FF2B5EF4-FFF2-40B4-BE49-F238E27FC236}">
-                  <a16:creationId xmlns:a16="http://schemas.microsoft.com/office/drawing/2014/main" id="{B4C8C581-B24E-45B4-86E6-E8D9B97DF6FE}"/>
+                  <a16:creationId xmlns:a16="http://schemas.microsoft.com/office/drawing/2014/main" xmlns="" id="{B4C8C581-B24E-45B4-86E6-E8D9B97DF6FE}"/>
                 </a:ext>
               </a:extLst>
             </p:cNvPr>
@@ -12590,7 +13231,7 @@
             <p:cNvPr id="10" name="Oval 6">
               <a:extLst>
                 <a:ext uri="{FF2B5EF4-FFF2-40B4-BE49-F238E27FC236}">
-                  <a16:creationId xmlns:a16="http://schemas.microsoft.com/office/drawing/2014/main" id="{B54D5EE3-2616-4DA0-A99B-7D8C7384D53A}"/>
+                  <a16:creationId xmlns:a16="http://schemas.microsoft.com/office/drawing/2014/main" xmlns="" id="{B54D5EE3-2616-4DA0-A99B-7D8C7384D53A}"/>
                 </a:ext>
               </a:extLst>
             </p:cNvPr>
@@ -12644,7 +13285,7 @@
             <p:cNvPr id="11" name="Oval 7">
               <a:extLst>
                 <a:ext uri="{FF2B5EF4-FFF2-40B4-BE49-F238E27FC236}">
-                  <a16:creationId xmlns:a16="http://schemas.microsoft.com/office/drawing/2014/main" id="{DA9E936E-FEDB-4E68-94C1-BF68ED391988}"/>
+                  <a16:creationId xmlns:a16="http://schemas.microsoft.com/office/drawing/2014/main" xmlns="" id="{DA9E936E-FEDB-4E68-94C1-BF68ED391988}"/>
                 </a:ext>
               </a:extLst>
             </p:cNvPr>
@@ -12698,7 +13339,7 @@
             <p:cNvPr id="12" name="Oval 8">
               <a:extLst>
                 <a:ext uri="{FF2B5EF4-FFF2-40B4-BE49-F238E27FC236}">
-                  <a16:creationId xmlns:a16="http://schemas.microsoft.com/office/drawing/2014/main" id="{0CC393F3-4DD5-4608-AFC3-9D6E663AB525}"/>
+                  <a16:creationId xmlns:a16="http://schemas.microsoft.com/office/drawing/2014/main" xmlns="" id="{0CC393F3-4DD5-4608-AFC3-9D6E663AB525}"/>
                 </a:ext>
               </a:extLst>
             </p:cNvPr>
@@ -12752,7 +13393,7 @@
             <p:cNvPr id="13" name="Oval 9">
               <a:extLst>
                 <a:ext uri="{FF2B5EF4-FFF2-40B4-BE49-F238E27FC236}">
-                  <a16:creationId xmlns:a16="http://schemas.microsoft.com/office/drawing/2014/main" id="{35AF9B17-3126-4936-911E-829209E6817C}"/>
+                  <a16:creationId xmlns:a16="http://schemas.microsoft.com/office/drawing/2014/main" xmlns="" id="{35AF9B17-3126-4936-911E-829209E6817C}"/>
                 </a:ext>
               </a:extLst>
             </p:cNvPr>
@@ -12806,7 +13447,7 @@
             <p:cNvPr id="14" name="Oval 10">
               <a:extLst>
                 <a:ext uri="{FF2B5EF4-FFF2-40B4-BE49-F238E27FC236}">
-                  <a16:creationId xmlns:a16="http://schemas.microsoft.com/office/drawing/2014/main" id="{19C53E56-CB43-42D8-826B-4EE47E07DC11}"/>
+                  <a16:creationId xmlns:a16="http://schemas.microsoft.com/office/drawing/2014/main" xmlns="" id="{19C53E56-CB43-42D8-826B-4EE47E07DC11}"/>
                 </a:ext>
               </a:extLst>
             </p:cNvPr>
@@ -12860,7 +13501,7 @@
             <p:cNvPr id="15" name="Oval 11">
               <a:extLst>
                 <a:ext uri="{FF2B5EF4-FFF2-40B4-BE49-F238E27FC236}">
-                  <a16:creationId xmlns:a16="http://schemas.microsoft.com/office/drawing/2014/main" id="{286E672E-25D5-4A52-8A86-5CE44AD61734}"/>
+                  <a16:creationId xmlns:a16="http://schemas.microsoft.com/office/drawing/2014/main" xmlns="" id="{286E672E-25D5-4A52-8A86-5CE44AD61734}"/>
                 </a:ext>
               </a:extLst>
             </p:cNvPr>
@@ -12914,7 +13555,7 @@
             <p:cNvPr id="16" name="Oval 12">
               <a:extLst>
                 <a:ext uri="{FF2B5EF4-FFF2-40B4-BE49-F238E27FC236}">
-                  <a16:creationId xmlns:a16="http://schemas.microsoft.com/office/drawing/2014/main" id="{67B5330A-51AF-4405-98FA-D64759DC26C0}"/>
+                  <a16:creationId xmlns:a16="http://schemas.microsoft.com/office/drawing/2014/main" xmlns="" id="{67B5330A-51AF-4405-98FA-D64759DC26C0}"/>
                 </a:ext>
               </a:extLst>
             </p:cNvPr>
@@ -12968,7 +13609,7 @@
             <p:cNvPr id="17" name="Oval 13">
               <a:extLst>
                 <a:ext uri="{FF2B5EF4-FFF2-40B4-BE49-F238E27FC236}">
-                  <a16:creationId xmlns:a16="http://schemas.microsoft.com/office/drawing/2014/main" id="{8ADBAB0D-FA1F-4FAB-B8D5-11BD47677871}"/>
+                  <a16:creationId xmlns:a16="http://schemas.microsoft.com/office/drawing/2014/main" xmlns="" id="{8ADBAB0D-FA1F-4FAB-B8D5-11BD47677871}"/>
                 </a:ext>
               </a:extLst>
             </p:cNvPr>
@@ -13022,7 +13663,7 @@
             <p:cNvPr id="18" name="Oval 14">
               <a:extLst>
                 <a:ext uri="{FF2B5EF4-FFF2-40B4-BE49-F238E27FC236}">
-                  <a16:creationId xmlns:a16="http://schemas.microsoft.com/office/drawing/2014/main" id="{F944BC98-CF81-4624-B5CB-4B74A38474D5}"/>
+                  <a16:creationId xmlns:a16="http://schemas.microsoft.com/office/drawing/2014/main" xmlns="" id="{F944BC98-CF81-4624-B5CB-4B74A38474D5}"/>
                 </a:ext>
               </a:extLst>
             </p:cNvPr>
@@ -13076,7 +13717,7 @@
             <p:cNvPr id="19" name="Oval 15">
               <a:extLst>
                 <a:ext uri="{FF2B5EF4-FFF2-40B4-BE49-F238E27FC236}">
-                  <a16:creationId xmlns:a16="http://schemas.microsoft.com/office/drawing/2014/main" id="{4B21C2E3-895B-46E9-BFA6-E5D70D2D72F1}"/>
+                  <a16:creationId xmlns:a16="http://schemas.microsoft.com/office/drawing/2014/main" xmlns="" id="{4B21C2E3-895B-46E9-BFA6-E5D70D2D72F1}"/>
                 </a:ext>
               </a:extLst>
             </p:cNvPr>
@@ -13130,7 +13771,7 @@
             <p:cNvPr id="20" name="Oval 16">
               <a:extLst>
                 <a:ext uri="{FF2B5EF4-FFF2-40B4-BE49-F238E27FC236}">
-                  <a16:creationId xmlns:a16="http://schemas.microsoft.com/office/drawing/2014/main" id="{5E9FF979-9098-429E-8D78-20B25C9B1698}"/>
+                  <a16:creationId xmlns:a16="http://schemas.microsoft.com/office/drawing/2014/main" xmlns="" id="{5E9FF979-9098-429E-8D78-20B25C9B1698}"/>
                 </a:ext>
               </a:extLst>
             </p:cNvPr>
@@ -13184,7 +13825,7 @@
             <p:cNvPr id="21" name="Oval 17">
               <a:extLst>
                 <a:ext uri="{FF2B5EF4-FFF2-40B4-BE49-F238E27FC236}">
-                  <a16:creationId xmlns:a16="http://schemas.microsoft.com/office/drawing/2014/main" id="{29509DBA-5E91-4E8B-8107-C1A9F572CD14}"/>
+                  <a16:creationId xmlns:a16="http://schemas.microsoft.com/office/drawing/2014/main" xmlns="" id="{29509DBA-5E91-4E8B-8107-C1A9F572CD14}"/>
                 </a:ext>
               </a:extLst>
             </p:cNvPr>
@@ -13238,7 +13879,7 @@
             <p:cNvPr id="22" name="Oval 18">
               <a:extLst>
                 <a:ext uri="{FF2B5EF4-FFF2-40B4-BE49-F238E27FC236}">
-                  <a16:creationId xmlns:a16="http://schemas.microsoft.com/office/drawing/2014/main" id="{BCDEAED6-138F-4249-BFD9-DBEE61D57E85}"/>
+                  <a16:creationId xmlns:a16="http://schemas.microsoft.com/office/drawing/2014/main" xmlns="" id="{BCDEAED6-138F-4249-BFD9-DBEE61D57E85}"/>
                 </a:ext>
               </a:extLst>
             </p:cNvPr>
@@ -13292,7 +13933,7 @@
             <p:cNvPr id="23" name="Oval 19">
               <a:extLst>
                 <a:ext uri="{FF2B5EF4-FFF2-40B4-BE49-F238E27FC236}">
-                  <a16:creationId xmlns:a16="http://schemas.microsoft.com/office/drawing/2014/main" id="{FF7D2C37-47DC-479C-8883-7A3DE4F9CE89}"/>
+                  <a16:creationId xmlns:a16="http://schemas.microsoft.com/office/drawing/2014/main" xmlns="" id="{FF7D2C37-47DC-479C-8883-7A3DE4F9CE89}"/>
                 </a:ext>
               </a:extLst>
             </p:cNvPr>
@@ -13346,7 +13987,7 @@
             <p:cNvPr id="24" name="Oval 20">
               <a:extLst>
                 <a:ext uri="{FF2B5EF4-FFF2-40B4-BE49-F238E27FC236}">
-                  <a16:creationId xmlns:a16="http://schemas.microsoft.com/office/drawing/2014/main" id="{C910B84B-EE15-4B62-A24E-B3B12D44B386}"/>
+                  <a16:creationId xmlns:a16="http://schemas.microsoft.com/office/drawing/2014/main" xmlns="" id="{C910B84B-EE15-4B62-A24E-B3B12D44B386}"/>
                 </a:ext>
               </a:extLst>
             </p:cNvPr>
@@ -13400,7 +14041,7 @@
             <p:cNvPr id="25" name="Oval 21">
               <a:extLst>
                 <a:ext uri="{FF2B5EF4-FFF2-40B4-BE49-F238E27FC236}">
-                  <a16:creationId xmlns:a16="http://schemas.microsoft.com/office/drawing/2014/main" id="{EB1D1B4E-E724-41D6-9C75-FCFF35B75EF5}"/>
+                  <a16:creationId xmlns:a16="http://schemas.microsoft.com/office/drawing/2014/main" xmlns="" id="{EB1D1B4E-E724-41D6-9C75-FCFF35B75EF5}"/>
                 </a:ext>
               </a:extLst>
             </p:cNvPr>
@@ -13454,7 +14095,7 @@
             <p:cNvPr id="26" name="Oval 22">
               <a:extLst>
                 <a:ext uri="{FF2B5EF4-FFF2-40B4-BE49-F238E27FC236}">
-                  <a16:creationId xmlns:a16="http://schemas.microsoft.com/office/drawing/2014/main" id="{47145CC8-5B23-4634-B31B-57174689A4E5}"/>
+                  <a16:creationId xmlns:a16="http://schemas.microsoft.com/office/drawing/2014/main" xmlns="" id="{47145CC8-5B23-4634-B31B-57174689A4E5}"/>
                 </a:ext>
               </a:extLst>
             </p:cNvPr>
@@ -13579,7 +14220,7 @@
           <p:cNvPr id="2" name="1 Rectángulo">
             <a:extLst>
               <a:ext uri="{FF2B5EF4-FFF2-40B4-BE49-F238E27FC236}">
-                <a16:creationId xmlns:a16="http://schemas.microsoft.com/office/drawing/2014/main" id="{A5730314-F48D-4A94-8082-1A078D17144B}"/>
+                <a16:creationId xmlns:a16="http://schemas.microsoft.com/office/drawing/2014/main" xmlns="" id="{A5730314-F48D-4A94-8082-1A078D17144B}"/>
               </a:ext>
             </a:extLst>
           </p:cNvPr>
@@ -13655,7 +14296,7 @@
           <p:cNvPr id="3" name="1 Rectángulo">
             <a:extLst>
               <a:ext uri="{FF2B5EF4-FFF2-40B4-BE49-F238E27FC236}">
-                <a16:creationId xmlns:a16="http://schemas.microsoft.com/office/drawing/2014/main" id="{04CE09DF-69F6-4A07-8021-EE8872268A78}"/>
+                <a16:creationId xmlns:a16="http://schemas.microsoft.com/office/drawing/2014/main" xmlns="" id="{04CE09DF-69F6-4A07-8021-EE8872268A78}"/>
               </a:ext>
             </a:extLst>
           </p:cNvPr>
@@ -13704,7 +14345,7 @@
           <p:cNvPr id="7" name="Grupo 6">
             <a:extLst>
               <a:ext uri="{FF2B5EF4-FFF2-40B4-BE49-F238E27FC236}">
-                <a16:creationId xmlns:a16="http://schemas.microsoft.com/office/drawing/2014/main" id="{431F5021-EB1E-4DC9-8527-D73807CBBA6B}"/>
+                <a16:creationId xmlns:a16="http://schemas.microsoft.com/office/drawing/2014/main" xmlns="" id="{431F5021-EB1E-4DC9-8527-D73807CBBA6B}"/>
               </a:ext>
             </a:extLst>
           </p:cNvPr>
@@ -13724,7 +14365,7 @@
             <p:cNvPr id="8" name="Line 4">
               <a:extLst>
                 <a:ext uri="{FF2B5EF4-FFF2-40B4-BE49-F238E27FC236}">
-                  <a16:creationId xmlns:a16="http://schemas.microsoft.com/office/drawing/2014/main" id="{A4F0E2E4-6FD4-476E-BFBC-48BAF4AEBFE1}"/>
+                  <a16:creationId xmlns:a16="http://schemas.microsoft.com/office/drawing/2014/main" xmlns="" id="{A4F0E2E4-6FD4-476E-BFBC-48BAF4AEBFE1}"/>
                 </a:ext>
               </a:extLst>
             </p:cNvPr>
@@ -13781,7 +14422,7 @@
             <p:cNvPr id="9" name="Line 5">
               <a:extLst>
                 <a:ext uri="{FF2B5EF4-FFF2-40B4-BE49-F238E27FC236}">
-                  <a16:creationId xmlns:a16="http://schemas.microsoft.com/office/drawing/2014/main" id="{B4C8C581-B24E-45B4-86E6-E8D9B97DF6FE}"/>
+                  <a16:creationId xmlns:a16="http://schemas.microsoft.com/office/drawing/2014/main" xmlns="" id="{B4C8C581-B24E-45B4-86E6-E8D9B97DF6FE}"/>
                 </a:ext>
               </a:extLst>
             </p:cNvPr>
@@ -13838,7 +14479,7 @@
             <p:cNvPr id="10" name="Oval 6">
               <a:extLst>
                 <a:ext uri="{FF2B5EF4-FFF2-40B4-BE49-F238E27FC236}">
-                  <a16:creationId xmlns:a16="http://schemas.microsoft.com/office/drawing/2014/main" id="{B54D5EE3-2616-4DA0-A99B-7D8C7384D53A}"/>
+                  <a16:creationId xmlns:a16="http://schemas.microsoft.com/office/drawing/2014/main" xmlns="" id="{B54D5EE3-2616-4DA0-A99B-7D8C7384D53A}"/>
                 </a:ext>
               </a:extLst>
             </p:cNvPr>
@@ -13894,7 +14535,7 @@
             <p:cNvPr id="11" name="Oval 7">
               <a:extLst>
                 <a:ext uri="{FF2B5EF4-FFF2-40B4-BE49-F238E27FC236}">
-                  <a16:creationId xmlns:a16="http://schemas.microsoft.com/office/drawing/2014/main" id="{DA9E936E-FEDB-4E68-94C1-BF68ED391988}"/>
+                  <a16:creationId xmlns:a16="http://schemas.microsoft.com/office/drawing/2014/main" xmlns="" id="{DA9E936E-FEDB-4E68-94C1-BF68ED391988}"/>
                 </a:ext>
               </a:extLst>
             </p:cNvPr>
@@ -13950,7 +14591,7 @@
             <p:cNvPr id="12" name="Oval 8">
               <a:extLst>
                 <a:ext uri="{FF2B5EF4-FFF2-40B4-BE49-F238E27FC236}">
-                  <a16:creationId xmlns:a16="http://schemas.microsoft.com/office/drawing/2014/main" id="{0CC393F3-4DD5-4608-AFC3-9D6E663AB525}"/>
+                  <a16:creationId xmlns:a16="http://schemas.microsoft.com/office/drawing/2014/main" xmlns="" id="{0CC393F3-4DD5-4608-AFC3-9D6E663AB525}"/>
                 </a:ext>
               </a:extLst>
             </p:cNvPr>
@@ -14006,7 +14647,7 @@
             <p:cNvPr id="13" name="Oval 9">
               <a:extLst>
                 <a:ext uri="{FF2B5EF4-FFF2-40B4-BE49-F238E27FC236}">
-                  <a16:creationId xmlns:a16="http://schemas.microsoft.com/office/drawing/2014/main" id="{35AF9B17-3126-4936-911E-829209E6817C}"/>
+                  <a16:creationId xmlns:a16="http://schemas.microsoft.com/office/drawing/2014/main" xmlns="" id="{35AF9B17-3126-4936-911E-829209E6817C}"/>
                 </a:ext>
               </a:extLst>
             </p:cNvPr>
@@ -14062,7 +14703,7 @@
             <p:cNvPr id="14" name="Oval 10">
               <a:extLst>
                 <a:ext uri="{FF2B5EF4-FFF2-40B4-BE49-F238E27FC236}">
-                  <a16:creationId xmlns:a16="http://schemas.microsoft.com/office/drawing/2014/main" id="{19C53E56-CB43-42D8-826B-4EE47E07DC11}"/>
+                  <a16:creationId xmlns:a16="http://schemas.microsoft.com/office/drawing/2014/main" xmlns="" id="{19C53E56-CB43-42D8-826B-4EE47E07DC11}"/>
                 </a:ext>
               </a:extLst>
             </p:cNvPr>
@@ -14118,7 +14759,7 @@
             <p:cNvPr id="15" name="Oval 11">
               <a:extLst>
                 <a:ext uri="{FF2B5EF4-FFF2-40B4-BE49-F238E27FC236}">
-                  <a16:creationId xmlns:a16="http://schemas.microsoft.com/office/drawing/2014/main" id="{286E672E-25D5-4A52-8A86-5CE44AD61734}"/>
+                  <a16:creationId xmlns:a16="http://schemas.microsoft.com/office/drawing/2014/main" xmlns="" id="{286E672E-25D5-4A52-8A86-5CE44AD61734}"/>
                 </a:ext>
               </a:extLst>
             </p:cNvPr>
@@ -14174,7 +14815,7 @@
             <p:cNvPr id="16" name="Oval 12">
               <a:extLst>
                 <a:ext uri="{FF2B5EF4-FFF2-40B4-BE49-F238E27FC236}">
-                  <a16:creationId xmlns:a16="http://schemas.microsoft.com/office/drawing/2014/main" id="{67B5330A-51AF-4405-98FA-D64759DC26C0}"/>
+                  <a16:creationId xmlns:a16="http://schemas.microsoft.com/office/drawing/2014/main" xmlns="" id="{67B5330A-51AF-4405-98FA-D64759DC26C0}"/>
                 </a:ext>
               </a:extLst>
             </p:cNvPr>
@@ -14230,7 +14871,7 @@
             <p:cNvPr id="17" name="Oval 13">
               <a:extLst>
                 <a:ext uri="{FF2B5EF4-FFF2-40B4-BE49-F238E27FC236}">
-                  <a16:creationId xmlns:a16="http://schemas.microsoft.com/office/drawing/2014/main" id="{8ADBAB0D-FA1F-4FAB-B8D5-11BD47677871}"/>
+                  <a16:creationId xmlns:a16="http://schemas.microsoft.com/office/drawing/2014/main" xmlns="" id="{8ADBAB0D-FA1F-4FAB-B8D5-11BD47677871}"/>
                 </a:ext>
               </a:extLst>
             </p:cNvPr>
@@ -14286,7 +14927,7 @@
             <p:cNvPr id="18" name="Oval 14">
               <a:extLst>
                 <a:ext uri="{FF2B5EF4-FFF2-40B4-BE49-F238E27FC236}">
-                  <a16:creationId xmlns:a16="http://schemas.microsoft.com/office/drawing/2014/main" id="{F944BC98-CF81-4624-B5CB-4B74A38474D5}"/>
+                  <a16:creationId xmlns:a16="http://schemas.microsoft.com/office/drawing/2014/main" xmlns="" id="{F944BC98-CF81-4624-B5CB-4B74A38474D5}"/>
                 </a:ext>
               </a:extLst>
             </p:cNvPr>
@@ -14342,7 +14983,7 @@
             <p:cNvPr id="19" name="Oval 15">
               <a:extLst>
                 <a:ext uri="{FF2B5EF4-FFF2-40B4-BE49-F238E27FC236}">
-                  <a16:creationId xmlns:a16="http://schemas.microsoft.com/office/drawing/2014/main" id="{4B21C2E3-895B-46E9-BFA6-E5D70D2D72F1}"/>
+                  <a16:creationId xmlns:a16="http://schemas.microsoft.com/office/drawing/2014/main" xmlns="" id="{4B21C2E3-895B-46E9-BFA6-E5D70D2D72F1}"/>
                 </a:ext>
               </a:extLst>
             </p:cNvPr>
@@ -14398,7 +15039,7 @@
             <p:cNvPr id="20" name="Oval 16">
               <a:extLst>
                 <a:ext uri="{FF2B5EF4-FFF2-40B4-BE49-F238E27FC236}">
-                  <a16:creationId xmlns:a16="http://schemas.microsoft.com/office/drawing/2014/main" id="{5E9FF979-9098-429E-8D78-20B25C9B1698}"/>
+                  <a16:creationId xmlns:a16="http://schemas.microsoft.com/office/drawing/2014/main" xmlns="" id="{5E9FF979-9098-429E-8D78-20B25C9B1698}"/>
                 </a:ext>
               </a:extLst>
             </p:cNvPr>
@@ -14454,7 +15095,7 @@
             <p:cNvPr id="21" name="Oval 17">
               <a:extLst>
                 <a:ext uri="{FF2B5EF4-FFF2-40B4-BE49-F238E27FC236}">
-                  <a16:creationId xmlns:a16="http://schemas.microsoft.com/office/drawing/2014/main" id="{29509DBA-5E91-4E8B-8107-C1A9F572CD14}"/>
+                  <a16:creationId xmlns:a16="http://schemas.microsoft.com/office/drawing/2014/main" xmlns="" id="{29509DBA-5E91-4E8B-8107-C1A9F572CD14}"/>
                 </a:ext>
               </a:extLst>
             </p:cNvPr>
@@ -14510,7 +15151,7 @@
             <p:cNvPr id="22" name="Oval 18">
               <a:extLst>
                 <a:ext uri="{FF2B5EF4-FFF2-40B4-BE49-F238E27FC236}">
-                  <a16:creationId xmlns:a16="http://schemas.microsoft.com/office/drawing/2014/main" id="{BCDEAED6-138F-4249-BFD9-DBEE61D57E85}"/>
+                  <a16:creationId xmlns:a16="http://schemas.microsoft.com/office/drawing/2014/main" xmlns="" id="{BCDEAED6-138F-4249-BFD9-DBEE61D57E85}"/>
                 </a:ext>
               </a:extLst>
             </p:cNvPr>
@@ -14566,7 +15207,7 @@
             <p:cNvPr id="23" name="Oval 19">
               <a:extLst>
                 <a:ext uri="{FF2B5EF4-FFF2-40B4-BE49-F238E27FC236}">
-                  <a16:creationId xmlns:a16="http://schemas.microsoft.com/office/drawing/2014/main" id="{FF7D2C37-47DC-479C-8883-7A3DE4F9CE89}"/>
+                  <a16:creationId xmlns:a16="http://schemas.microsoft.com/office/drawing/2014/main" xmlns="" id="{FF7D2C37-47DC-479C-8883-7A3DE4F9CE89}"/>
                 </a:ext>
               </a:extLst>
             </p:cNvPr>
@@ -14622,7 +15263,7 @@
             <p:cNvPr id="24" name="Oval 20">
               <a:extLst>
                 <a:ext uri="{FF2B5EF4-FFF2-40B4-BE49-F238E27FC236}">
-                  <a16:creationId xmlns:a16="http://schemas.microsoft.com/office/drawing/2014/main" id="{C910B84B-EE15-4B62-A24E-B3B12D44B386}"/>
+                  <a16:creationId xmlns:a16="http://schemas.microsoft.com/office/drawing/2014/main" xmlns="" id="{C910B84B-EE15-4B62-A24E-B3B12D44B386}"/>
                 </a:ext>
               </a:extLst>
             </p:cNvPr>
@@ -14678,7 +15319,7 @@
             <p:cNvPr id="25" name="Oval 21">
               <a:extLst>
                 <a:ext uri="{FF2B5EF4-FFF2-40B4-BE49-F238E27FC236}">
-                  <a16:creationId xmlns:a16="http://schemas.microsoft.com/office/drawing/2014/main" id="{EB1D1B4E-E724-41D6-9C75-FCFF35B75EF5}"/>
+                  <a16:creationId xmlns:a16="http://schemas.microsoft.com/office/drawing/2014/main" xmlns="" id="{EB1D1B4E-E724-41D6-9C75-FCFF35B75EF5}"/>
                 </a:ext>
               </a:extLst>
             </p:cNvPr>
@@ -14734,7 +15375,7 @@
             <p:cNvPr id="26" name="Oval 22">
               <a:extLst>
                 <a:ext uri="{FF2B5EF4-FFF2-40B4-BE49-F238E27FC236}">
-                  <a16:creationId xmlns:a16="http://schemas.microsoft.com/office/drawing/2014/main" id="{47145CC8-5B23-4634-B31B-57174689A4E5}"/>
+                  <a16:creationId xmlns:a16="http://schemas.microsoft.com/office/drawing/2014/main" xmlns="" id="{47145CC8-5B23-4634-B31B-57174689A4E5}"/>
                 </a:ext>
               </a:extLst>
             </p:cNvPr>
@@ -14858,10 +15499,237 @@
       </p:grpSpPr>
       <p:sp>
         <p:nvSpPr>
+          <p:cNvPr id="27" name="1 Rectángulo">
+            <a:extLst>
+              <a:ext uri="{FF2B5EF4-FFF2-40B4-BE49-F238E27FC236}">
+                <a16:creationId xmlns:a16="http://schemas.microsoft.com/office/drawing/2014/main" xmlns="" id="{CFD72CF5-7599-3D32-05C9-4F015E26ECF4}"/>
+              </a:ext>
+            </a:extLst>
+          </p:cNvPr>
+          <p:cNvSpPr>
+            <a:spLocks noChangeArrowheads="1"/>
+          </p:cNvSpPr>
+          <p:nvPr/>
+        </p:nvSpPr>
+        <p:spPr bwMode="auto">
+          <a:xfrm>
+            <a:off x="0" y="1103275"/>
+            <a:ext cx="12192000" cy="1217894"/>
+          </a:xfrm>
+          <a:prstGeom prst="rect">
+            <a:avLst/>
+          </a:prstGeom>
+          <a:solidFill>
+            <a:schemeClr val="bg1">
+              <a:alpha val="30000"/>
+            </a:schemeClr>
+          </a:solidFill>
+          <a:ln>
+            <a:noFill/>
+          </a:ln>
+        </p:spPr>
+        <p:txBody>
+          <a:bodyPr anchor="ctr"/>
+          <a:lstStyle/>
+          <a:p>
+            <a:pPr marL="0" marR="0" lvl="0" indent="0" algn="ctr" defTabSz="599002" rtl="0" eaLnBrk="1" fontAlgn="base" latinLnBrk="0" hangingPunct="0">
+              <a:lnSpc>
+                <a:spcPct val="93000"/>
+              </a:lnSpc>
+              <a:spcBef>
+                <a:spcPct val="0"/>
+              </a:spcBef>
+              <a:spcAft>
+                <a:spcPct val="0"/>
+              </a:spcAft>
+              <a:buClr>
+                <a:srgbClr val="000000"/>
+              </a:buClr>
+              <a:buSzPct val="100000"/>
+              <a:buFontTx/>
+              <a:buNone/>
+              <a:tabLst/>
+              <a:defRPr/>
+            </a:pPr>
+            <a:r>
+              <a:rPr kumimoji="0" lang="es-AR" altLang="es-AR" sz="3600" b="1" i="0" u="none" strike="noStrike" kern="1200" cap="none" spc="0" normalizeH="0" baseline="0" noProof="0" dirty="0">
+                <a:ln>
+                  <a:noFill/>
+                </a:ln>
+                <a:effectLst/>
+                <a:uLnTx/>
+                <a:uFillTx/>
+                <a:latin typeface="Arial" panose="020B0604020202020204" pitchFamily="34" charset="0"/>
+                <a:ea typeface="Microsoft YaHei" panose="020B0503020204020204" pitchFamily="34" charset="-122"/>
+                <a:cs typeface="Arial"/>
+              </a:rPr>
+              <a:t>Aprendizaje Supervisado</a:t>
+            </a:r>
+            <a:endParaRPr lang="es-AR" altLang="es-AR" sz="3600" b="1" dirty="0">
+              <a:latin typeface="Arial" panose="020B0604020202020204" pitchFamily="34" charset="0"/>
+              <a:ea typeface="Microsoft YaHei" panose="020B0503020204020204" pitchFamily="34" charset="-122"/>
+              <a:cs typeface="Arial"/>
+            </a:endParaRPr>
+          </a:p>
+        </p:txBody>
+      </p:sp>
+      <p:sp>
+        <p:nvSpPr>
+          <p:cNvPr id="28" name="1 Rectángulo">
+            <a:extLst>
+              <a:ext uri="{FF2B5EF4-FFF2-40B4-BE49-F238E27FC236}">
+                <a16:creationId xmlns:a16="http://schemas.microsoft.com/office/drawing/2014/main" xmlns="" id="{1B67237E-2957-3471-CC27-EBC4654357FD}"/>
+              </a:ext>
+            </a:extLst>
+          </p:cNvPr>
+          <p:cNvSpPr>
+            <a:spLocks noChangeArrowheads="1"/>
+          </p:cNvSpPr>
+          <p:nvPr/>
+        </p:nvSpPr>
+        <p:spPr bwMode="auto">
+          <a:xfrm>
+            <a:off x="0" y="2700161"/>
+            <a:ext cx="12191999" cy="3377082"/>
+          </a:xfrm>
+          <a:prstGeom prst="rect">
+            <a:avLst/>
+          </a:prstGeom>
+          <a:solidFill>
+            <a:schemeClr val="bg1">
+              <a:alpha val="30000"/>
+            </a:schemeClr>
+          </a:solidFill>
+          <a:ln>
+            <a:noFill/>
+          </a:ln>
+        </p:spPr>
+        <p:txBody>
+          <a:bodyPr anchor="ctr"/>
+          <a:lstStyle/>
+          <a:p>
+            <a:pPr lvl="3" defTabSz="599002" fontAlgn="base" hangingPunct="0">
+              <a:lnSpc>
+                <a:spcPct val="93000"/>
+              </a:lnSpc>
+              <a:spcBef>
+                <a:spcPct val="0"/>
+              </a:spcBef>
+              <a:spcAft>
+                <a:spcPct val="0"/>
+              </a:spcAft>
+              <a:buSzPct val="100000"/>
+              <a:defRPr/>
+            </a:pPr>
+            <a:r>
+              <a:rPr lang="es-AR" altLang="es-AR" sz="3200" dirty="0">
+                <a:latin typeface="Arial" panose="020B0604020202020204" pitchFamily="34" charset="0"/>
+                <a:ea typeface="Microsoft YaHei" panose="020B0503020204020204" pitchFamily="34" charset="-122"/>
+                <a:cs typeface="Arial"/>
+              </a:rPr>
+              <a:t>Busca encontrar un modelo o estructura; entrenado en datos con la respuesta correcta, para luego poder predecir el valor o categoría de un caso nuevo nunca visto antes. </a:t>
+            </a:r>
+          </a:p>
+          <a:p>
+            <a:pPr marL="3086100" lvl="6" indent="-342900" defTabSz="599002" fontAlgn="base" hangingPunct="0">
+              <a:lnSpc>
+                <a:spcPct val="93000"/>
+              </a:lnSpc>
+              <a:spcBef>
+                <a:spcPct val="0"/>
+              </a:spcBef>
+              <a:spcAft>
+                <a:spcPct val="0"/>
+              </a:spcAft>
+              <a:buSzPct val="100000"/>
+              <a:buFont typeface="Arial" panose="020B0604020202020204" pitchFamily="34" charset="0"/>
+              <a:buChar char="•"/>
+              <a:defRPr/>
+            </a:pPr>
+            <a:endParaRPr lang="es-AR" altLang="es-AR" sz="3200" dirty="0">
+              <a:latin typeface="Arial" panose="020B0604020202020204" pitchFamily="34" charset="0"/>
+              <a:ea typeface="Microsoft YaHei" panose="020B0503020204020204" pitchFamily="34" charset="-122"/>
+              <a:cs typeface="Arial"/>
+            </a:endParaRPr>
+          </a:p>
+        </p:txBody>
+      </p:sp>
+    </p:spTree>
+    <p:extLst>
+      <p:ext uri="{BB962C8B-B14F-4D97-AF65-F5344CB8AC3E}">
+        <p14:creationId xmlns:p14="http://schemas.microsoft.com/office/powerpoint/2010/main" val="2790661840"/>
+      </p:ext>
+    </p:extLst>
+  </p:cSld>
+  <p:clrMapOvr>
+    <a:masterClrMapping/>
+  </p:clrMapOvr>
+  <p:transition spd="slow"/>
+  <p:timing>
+    <p:tnLst>
+      <p:par>
+        <p:cTn id="1" dur="indefinite" restart="never" nodeType="tmRoot">
+          <p:childTnLst>
+            <p:seq concurrent="1" nextAc="seek">
+              <p:cTn id="2" dur="0" nodeType="mainSeq"/>
+              <p:prevCondLst>
+                <p:cond evt="onPrev" delay="0">
+                  <p:tgtEl>
+                    <p:sldTgt/>
+                  </p:tgtEl>
+                </p:cond>
+              </p:prevCondLst>
+              <p:nextCondLst>
+                <p:cond evt="onNext" delay="0">
+                  <p:tgtEl>
+                    <p:sldTgt/>
+                  </p:tgtEl>
+                </p:cond>
+              </p:nextCondLst>
+            </p:seq>
+          </p:childTnLst>
+        </p:cTn>
+      </p:par>
+    </p:tnLst>
+  </p:timing>
+</p:sld>
+</file>
+
+<file path=ppt/slides/slide8.xml><?xml version="1.0" encoding="utf-8"?>
+<p:sld xmlns:a="http://schemas.openxmlformats.org/drawingml/2006/main" xmlns:r="http://schemas.openxmlformats.org/officeDocument/2006/relationships" xmlns:p="http://schemas.openxmlformats.org/presentationml/2006/main">
+  <p:cSld>
+    <p:bg>
+      <p:bgPr>
+        <a:blipFill dpi="0" rotWithShape="0">
+          <a:blip r:embed="rId3"/>
+          <a:srcRect/>
+          <a:stretch>
+            <a:fillRect/>
+          </a:stretch>
+        </a:blipFill>
+        <a:effectLst/>
+      </p:bgPr>
+    </p:bg>
+    <p:spTree>
+      <p:nvGrpSpPr>
+        <p:cNvPr id="1" name=""/>
+        <p:cNvGrpSpPr/>
+        <p:nvPr/>
+      </p:nvGrpSpPr>
+      <p:grpSpPr>
+        <a:xfrm>
+          <a:off x="0" y="0"/>
+          <a:ext cx="0" cy="0"/>
+          <a:chOff x="0" y="0"/>
+          <a:chExt cx="0" cy="0"/>
+        </a:xfrm>
+      </p:grpSpPr>
+      <p:sp>
+        <p:nvSpPr>
           <p:cNvPr id="2" name="1 Rectángulo">
             <a:extLst>
               <a:ext uri="{FF2B5EF4-FFF2-40B4-BE49-F238E27FC236}">
-                <a16:creationId xmlns:a16="http://schemas.microsoft.com/office/drawing/2014/main" id="{A5730314-F48D-4A94-8082-1A078D17144B}"/>
+                <a16:creationId xmlns:a16="http://schemas.microsoft.com/office/drawing/2014/main" xmlns="" id="{A5730314-F48D-4A94-8082-1A078D17144B}"/>
               </a:ext>
             </a:extLst>
           </p:cNvPr>
@@ -14937,7 +15805,7 @@
           <p:cNvPr id="6" name="1 Rectángulo">
             <a:extLst>
               <a:ext uri="{FF2B5EF4-FFF2-40B4-BE49-F238E27FC236}">
-                <a16:creationId xmlns:a16="http://schemas.microsoft.com/office/drawing/2014/main" id="{34AAE301-8090-49B5-8FAF-01A294F5DA9A}"/>
+                <a16:creationId xmlns:a16="http://schemas.microsoft.com/office/drawing/2014/main" xmlns="" id="{34AAE301-8090-49B5-8FAF-01A294F5DA9A}"/>
               </a:ext>
             </a:extLst>
           </p:cNvPr>
@@ -15070,7 +15938,7 @@
 </p:sld>
 </file>
 
-<file path=ppt/slides/slide8.xml><?xml version="1.0" encoding="utf-8"?>
+<file path=ppt/slides/slide9.xml><?xml version="1.0" encoding="utf-8"?>
 <p:sld xmlns:a="http://schemas.openxmlformats.org/drawingml/2006/main" xmlns:r="http://schemas.openxmlformats.org/officeDocument/2006/relationships" xmlns:p="http://schemas.openxmlformats.org/presentationml/2006/main">
   <p:cSld>
     <p:bg>
@@ -15104,7 +15972,7 @@
           <p:cNvPr id="2" name="1 Rectángulo">
             <a:extLst>
               <a:ext uri="{FF2B5EF4-FFF2-40B4-BE49-F238E27FC236}">
-                <a16:creationId xmlns:a16="http://schemas.microsoft.com/office/drawing/2014/main" id="{A5730314-F48D-4A94-8082-1A078D17144B}"/>
+                <a16:creationId xmlns:a16="http://schemas.microsoft.com/office/drawing/2014/main" xmlns="" id="{A5730314-F48D-4A94-8082-1A078D17144B}"/>
               </a:ext>
             </a:extLst>
           </p:cNvPr>
@@ -15180,7 +16048,7 @@
           <p:cNvPr id="6" name="1 Rectángulo">
             <a:extLst>
               <a:ext uri="{FF2B5EF4-FFF2-40B4-BE49-F238E27FC236}">
-                <a16:creationId xmlns:a16="http://schemas.microsoft.com/office/drawing/2014/main" id="{34AAE301-8090-49B5-8FAF-01A294F5DA9A}"/>
+                <a16:creationId xmlns:a16="http://schemas.microsoft.com/office/drawing/2014/main" xmlns="" id="{34AAE301-8090-49B5-8FAF-01A294F5DA9A}"/>
               </a:ext>
             </a:extLst>
           </p:cNvPr>
@@ -15238,7 +16106,7 @@
           <p:cNvPr id="3" name="Picture 4" descr="Resultado de imagen para grid world reinforcement learning">
             <a:extLst>
               <a:ext uri="{FF2B5EF4-FFF2-40B4-BE49-F238E27FC236}">
-                <a16:creationId xmlns:a16="http://schemas.microsoft.com/office/drawing/2014/main" id="{FBC1FD66-26FC-43A3-971E-8E9D8858870C}"/>
+                <a16:creationId xmlns:a16="http://schemas.microsoft.com/office/drawing/2014/main" xmlns="" id="{FBC1FD66-26FC-43A3-971E-8E9D8858870C}"/>
               </a:ext>
             </a:extLst>
           </p:cNvPr>
@@ -15284,184 +16152,6 @@
     <p:extLst>
       <p:ext uri="{BB962C8B-B14F-4D97-AF65-F5344CB8AC3E}">
         <p14:creationId xmlns:p14="http://schemas.microsoft.com/office/powerpoint/2010/main" val="1151211373"/>
-      </p:ext>
-    </p:extLst>
-  </p:cSld>
-  <p:clrMapOvr>
-    <a:masterClrMapping/>
-  </p:clrMapOvr>
-  <p:transition spd="slow"/>
-  <p:timing>
-    <p:tnLst>
-      <p:par>
-        <p:cTn id="1" dur="indefinite" restart="never" nodeType="tmRoot">
-          <p:childTnLst>
-            <p:seq concurrent="1" nextAc="seek">
-              <p:cTn id="2" dur="0" nodeType="mainSeq"/>
-              <p:prevCondLst>
-                <p:cond evt="onPrev" delay="0">
-                  <p:tgtEl>
-                    <p:sldTgt/>
-                  </p:tgtEl>
-                </p:cond>
-              </p:prevCondLst>
-              <p:nextCondLst>
-                <p:cond evt="onNext" delay="0">
-                  <p:tgtEl>
-                    <p:sldTgt/>
-                  </p:tgtEl>
-                </p:cond>
-              </p:nextCondLst>
-            </p:seq>
-          </p:childTnLst>
-        </p:cTn>
-      </p:par>
-    </p:tnLst>
-  </p:timing>
-</p:sld>
-</file>
-
-<file path=ppt/slides/slide9.xml><?xml version="1.0" encoding="utf-8"?>
-<p:sld xmlns:a="http://schemas.openxmlformats.org/drawingml/2006/main" xmlns:r="http://schemas.openxmlformats.org/officeDocument/2006/relationships" xmlns:p="http://schemas.openxmlformats.org/presentationml/2006/main">
-  <p:cSld>
-    <p:bg>
-      <p:bgPr>
-        <a:blipFill dpi="0" rotWithShape="0">
-          <a:blip r:embed="rId3"/>
-          <a:srcRect/>
-          <a:stretch>
-            <a:fillRect/>
-          </a:stretch>
-        </a:blipFill>
-        <a:effectLst/>
-      </p:bgPr>
-    </p:bg>
-    <p:spTree>
-      <p:nvGrpSpPr>
-        <p:cNvPr id="1" name=""/>
-        <p:cNvGrpSpPr/>
-        <p:nvPr/>
-      </p:nvGrpSpPr>
-      <p:grpSpPr>
-        <a:xfrm>
-          <a:off x="0" y="0"/>
-          <a:ext cx="0" cy="0"/>
-          <a:chOff x="0" y="0"/>
-          <a:chExt cx="0" cy="0"/>
-        </a:xfrm>
-      </p:grpSpPr>
-      <p:sp>
-        <p:nvSpPr>
-          <p:cNvPr id="2" name="CuadroTexto 1"/>
-          <p:cNvSpPr txBox="1"/>
-          <p:nvPr/>
-        </p:nvSpPr>
-        <p:spPr>
-          <a:xfrm>
-            <a:off x="1184032" y="5416061"/>
-            <a:ext cx="6013938" cy="923330"/>
-          </a:xfrm>
-          <a:prstGeom prst="rect">
-            <a:avLst/>
-          </a:prstGeom>
-          <a:noFill/>
-        </p:spPr>
-        <p:txBody>
-          <a:bodyPr wrap="square" rtlCol="0">
-            <a:spAutoFit/>
-          </a:bodyPr>
-          <a:lstStyle/>
-          <a:p>
-            <a:r>
-              <a:rPr lang="es-AR" sz="5400" dirty="0">
-                <a:solidFill>
-                  <a:schemeClr val="bg1"/>
-                </a:solidFill>
-              </a:rPr>
-              <a:t>Gracias</a:t>
-            </a:r>
-          </a:p>
-        </p:txBody>
-      </p:sp>
-      <p:sp>
-        <p:nvSpPr>
-          <p:cNvPr id="9218" name="1 Rectángulo"/>
-          <p:cNvSpPr>
-            <a:spLocks noChangeArrowheads="1"/>
-          </p:cNvSpPr>
-          <p:nvPr/>
-        </p:nvSpPr>
-        <p:spPr bwMode="auto">
-          <a:xfrm flipV="1">
-            <a:off x="0" y="6857999"/>
-            <a:ext cx="12192000" cy="45719"/>
-          </a:xfrm>
-          <a:prstGeom prst="rect">
-            <a:avLst/>
-          </a:prstGeom>
-          <a:solidFill>
-            <a:schemeClr val="bg1"/>
-          </a:solidFill>
-          <a:ln>
-            <a:noFill/>
-          </a:ln>
-          <a:extLst>
-            <a:ext uri="{91240B29-F687-4F45-9708-019B960494DF}">
-              <a14:hiddenLine xmlns:a14="http://schemas.microsoft.com/office/drawing/2010/main" w="9525" algn="ctr">
-                <a:solidFill>
-                  <a:srgbClr val="000000"/>
-                </a:solidFill>
-                <a:round/>
-                <a:headEnd/>
-                <a:tailEnd/>
-              </a14:hiddenLine>
-            </a:ext>
-          </a:extLst>
-        </p:spPr>
-        <p:txBody>
-          <a:bodyPr/>
-          <a:lstStyle/>
-          <a:p>
-            <a:pPr marL="0" marR="0" lvl="0" indent="0" algn="l" defTabSz="599002" rtl="0" eaLnBrk="1" fontAlgn="base" latinLnBrk="0" hangingPunct="0">
-              <a:lnSpc>
-                <a:spcPct val="93000"/>
-              </a:lnSpc>
-              <a:spcBef>
-                <a:spcPct val="0"/>
-              </a:spcBef>
-              <a:spcAft>
-                <a:spcPct val="0"/>
-              </a:spcAft>
-              <a:buClr>
-                <a:srgbClr val="000000"/>
-              </a:buClr>
-              <a:buSzPct val="100000"/>
-              <a:buFontTx/>
-              <a:buNone/>
-              <a:tabLst/>
-              <a:defRPr/>
-            </a:pPr>
-            <a:endParaRPr kumimoji="0" lang="es-AR" altLang="es-AR" sz="2400" b="0" i="0" u="none" strike="noStrike" kern="1200" cap="none" spc="0" normalizeH="0" baseline="0" noProof="0" dirty="0">
-              <a:ln>
-                <a:noFill/>
-              </a:ln>
-              <a:solidFill>
-                <a:srgbClr val="000000"/>
-              </a:solidFill>
-              <a:effectLst/>
-              <a:uLnTx/>
-              <a:uFillTx/>
-              <a:latin typeface="Arial" panose="020B0604020202020204" pitchFamily="34" charset="0"/>
-              <a:ea typeface="Microsoft YaHei" panose="020B0503020204020204" pitchFamily="34" charset="-122"/>
-              <a:cs typeface="Arial"/>
-            </a:endParaRPr>
-          </a:p>
-        </p:txBody>
-      </p:sp>
-    </p:spTree>
-    <p:extLst>
-      <p:ext uri="{BB962C8B-B14F-4D97-AF65-F5344CB8AC3E}">
-        <p14:creationId xmlns:p14="http://schemas.microsoft.com/office/powerpoint/2010/main" val="717311304"/>
       </p:ext>
     </p:extLst>
   </p:cSld>
